--- a/mlu/verification/verifiacationHemkerMaas87.pptx
+++ b/mlu/verification/verifiacationHemkerMaas87.pptx
@@ -285,7 +285,7 @@
           <a:lstStyle/>
           <a:p>
             <a:fld id="{905B3ED4-D290-E049-ACB3-31BDB0785032}" type="datetimeFigureOut">
-              <a:t>25/01/18</a:t>
+              <a:t>26/01/18</a:t>
             </a:fld>
             <a:endParaRPr lang="en-US"/>
           </a:p>
@@ -451,7 +451,7 @@
           <a:lstStyle/>
           <a:p>
             <a:fld id="{905B3ED4-D290-E049-ACB3-31BDB0785032}" type="datetimeFigureOut">
-              <a:t>25/01/18</a:t>
+              <a:t>26/01/18</a:t>
             </a:fld>
             <a:endParaRPr lang="en-US"/>
           </a:p>
@@ -627,7 +627,7 @@
           <a:lstStyle/>
           <a:p>
             <a:fld id="{905B3ED4-D290-E049-ACB3-31BDB0785032}" type="datetimeFigureOut">
-              <a:t>25/01/18</a:t>
+              <a:t>26/01/18</a:t>
             </a:fld>
             <a:endParaRPr lang="en-US"/>
           </a:p>
@@ -793,7 +793,7 @@
           <a:lstStyle/>
           <a:p>
             <a:fld id="{905B3ED4-D290-E049-ACB3-31BDB0785032}" type="datetimeFigureOut">
-              <a:t>25/01/18</a:t>
+              <a:t>26/01/18</a:t>
             </a:fld>
             <a:endParaRPr lang="en-US"/>
           </a:p>
@@ -1036,7 +1036,7 @@
           <a:lstStyle/>
           <a:p>
             <a:fld id="{905B3ED4-D290-E049-ACB3-31BDB0785032}" type="datetimeFigureOut">
-              <a:t>25/01/18</a:t>
+              <a:t>26/01/18</a:t>
             </a:fld>
             <a:endParaRPr lang="en-US"/>
           </a:p>
@@ -1319,7 +1319,7 @@
           <a:lstStyle/>
           <a:p>
             <a:fld id="{905B3ED4-D290-E049-ACB3-31BDB0785032}" type="datetimeFigureOut">
-              <a:t>25/01/18</a:t>
+              <a:t>26/01/18</a:t>
             </a:fld>
             <a:endParaRPr lang="en-US"/>
           </a:p>
@@ -1736,7 +1736,7 @@
           <a:lstStyle/>
           <a:p>
             <a:fld id="{905B3ED4-D290-E049-ACB3-31BDB0785032}" type="datetimeFigureOut">
-              <a:t>25/01/18</a:t>
+              <a:t>26/01/18</a:t>
             </a:fld>
             <a:endParaRPr lang="en-US"/>
           </a:p>
@@ -1851,7 +1851,7 @@
           <a:lstStyle/>
           <a:p>
             <a:fld id="{905B3ED4-D290-E049-ACB3-31BDB0785032}" type="datetimeFigureOut">
-              <a:t>25/01/18</a:t>
+              <a:t>26/01/18</a:t>
             </a:fld>
             <a:endParaRPr lang="en-US"/>
           </a:p>
@@ -1944,7 +1944,7 @@
           <a:lstStyle/>
           <a:p>
             <a:fld id="{905B3ED4-D290-E049-ACB3-31BDB0785032}" type="datetimeFigureOut">
-              <a:t>25/01/18</a:t>
+              <a:t>26/01/18</a:t>
             </a:fld>
             <a:endParaRPr lang="en-US"/>
           </a:p>
@@ -2217,7 +2217,7 @@
           <a:lstStyle/>
           <a:p>
             <a:fld id="{905B3ED4-D290-E049-ACB3-31BDB0785032}" type="datetimeFigureOut">
-              <a:t>25/01/18</a:t>
+              <a:t>26/01/18</a:t>
             </a:fld>
             <a:endParaRPr lang="en-US"/>
           </a:p>
@@ -2467,7 +2467,7 @@
           <a:lstStyle/>
           <a:p>
             <a:fld id="{905B3ED4-D290-E049-ACB3-31BDB0785032}" type="datetimeFigureOut">
-              <a:t>25/01/18</a:t>
+              <a:t>26/01/18</a:t>
             </a:fld>
             <a:endParaRPr lang="en-US"/>
           </a:p>
@@ -2676,7 +2676,7 @@
           </a:lstStyle>
           <a:p>
             <a:fld id="{905B3ED4-D290-E049-ACB3-31BDB0785032}" type="datetimeFigureOut">
-              <a:t>25/01/18</a:t>
+              <a:t>26/01/18</a:t>
             </a:fld>
             <a:endParaRPr lang="en-US"/>
           </a:p>
@@ -3092,7 +3092,7 @@
         </p:blipFill>
         <p:spPr>
           <a:xfrm>
-            <a:off x="-179557" y="610362"/>
+            <a:off x="-166329" y="610361"/>
             <a:ext cx="5094156" cy="5640963"/>
           </a:xfrm>
           <a:prstGeom prst="rect">
